--- a/Advanced Database Manipulation with Python using DuckDB.pptx
+++ b/Advanced Database Manipulation with Python using DuckDB.pptx
@@ -129,7 +129,7 @@
 <file path=ppt/revisionInfo.xml><?xml version="1.0" encoding="utf-8"?>
 <p1510:revInfo xmlns:a="http://schemas.openxmlformats.org/drawingml/2006/main" xmlns:r="http://schemas.openxmlformats.org/officeDocument/2006/relationships" xmlns:p1510="http://schemas.microsoft.com/office/powerpoint/2015/10/main">
   <p1510:revLst>
-    <p1510:client id="{49F755E0-E68C-4636-8AD8-B74A16A2B4C2}" v="8" dt="2025-02-27T11:10:26.914"/>
+    <p1510:client id="{61EA4F22-3D18-446E-A4A8-6730718BBEAE}" v="1" dt="2026-01-06T22:49:38.354"/>
   </p1510:revLst>
 </p1510:revInfo>
 </file>
@@ -137,251 +137,26 @@
 <file path=ppt/changesInfos/changesInfo1.xml><?xml version="1.0" encoding="utf-8"?>
 <pc:chgInfo xmlns:a="http://schemas.openxmlformats.org/drawingml/2006/main" xmlns:r="http://schemas.openxmlformats.org/officeDocument/2006/relationships" xmlns:ac="http://schemas.microsoft.com/office/drawing/2013/main/command" xmlns:pc="http://schemas.microsoft.com/office/powerpoint/2013/main/command">
   <pc:docChgLst>
-    <pc:chgData name="Yang Wang" userId="93f64eff-2e82-4bc9-9cd4-65a7b2a43f14" providerId="ADAL" clId="{49F755E0-E68C-4636-8AD8-B74A16A2B4C2}"/>
-    <pc:docChg chg="undo custSel addSld delSld modSld">
-      <pc:chgData name="Yang Wang" userId="93f64eff-2e82-4bc9-9cd4-65a7b2a43f14" providerId="ADAL" clId="{49F755E0-E68C-4636-8AD8-B74A16A2B4C2}" dt="2025-02-27T11:12:21.689" v="80" actId="1076"/>
+    <pc:chgData name="Yang Wang" userId="93f64eff-2e82-4bc9-9cd4-65a7b2a43f14" providerId="ADAL" clId="{45B4E7E3-82FD-4E6D-BC04-F9D00CE5245B}"/>
+    <pc:docChg chg="custSel modSld">
+      <pc:chgData name="Yang Wang" userId="93f64eff-2e82-4bc9-9cd4-65a7b2a43f14" providerId="ADAL" clId="{45B4E7E3-82FD-4E6D-BC04-F9D00CE5245B}" dt="2026-01-06T22:49:40.613" v="1" actId="478"/>
       <pc:docMkLst>
         <pc:docMk/>
       </pc:docMkLst>
-      <pc:sldChg chg="modNotes">
-        <pc:chgData name="Yang Wang" userId="93f64eff-2e82-4bc9-9cd4-65a7b2a43f14" providerId="ADAL" clId="{49F755E0-E68C-4636-8AD8-B74A16A2B4C2}" dt="2025-02-18T17:58:44.804" v="1" actId="368"/>
+      <pc:sldChg chg="addSp delSp modSp mod">
+        <pc:chgData name="Yang Wang" userId="93f64eff-2e82-4bc9-9cd4-65a7b2a43f14" providerId="ADAL" clId="{45B4E7E3-82FD-4E6D-BC04-F9D00CE5245B}" dt="2026-01-06T22:49:40.613" v="1" actId="478"/>
         <pc:sldMkLst>
           <pc:docMk/>
-          <pc:sldMk cId="2537867122" sldId="258"/>
+          <pc:sldMk cId="1081006076" sldId="256"/>
         </pc:sldMkLst>
-      </pc:sldChg>
-      <pc:sldChg chg="modNotes">
-        <pc:chgData name="Yang Wang" userId="93f64eff-2e82-4bc9-9cd4-65a7b2a43f14" providerId="ADAL" clId="{49F755E0-E68C-4636-8AD8-B74A16A2B4C2}" dt="2025-02-18T17:58:44.811" v="3" actId="368"/>
-        <pc:sldMkLst>
-          <pc:docMk/>
-          <pc:sldMk cId="1824727564" sldId="259"/>
-        </pc:sldMkLst>
-      </pc:sldChg>
-      <pc:sldChg chg="addSp delSp modSp mod modNotes">
-        <pc:chgData name="Yang Wang" userId="93f64eff-2e82-4bc9-9cd4-65a7b2a43f14" providerId="ADAL" clId="{49F755E0-E68C-4636-8AD8-B74A16A2B4C2}" dt="2025-02-18T17:59:11.400" v="10" actId="26606"/>
-        <pc:sldMkLst>
-          <pc:docMk/>
-          <pc:sldMk cId="2765376041" sldId="260"/>
-        </pc:sldMkLst>
-        <pc:spChg chg="mod">
-          <ac:chgData name="Yang Wang" userId="93f64eff-2e82-4bc9-9cd4-65a7b2a43f14" providerId="ADAL" clId="{49F755E0-E68C-4636-8AD8-B74A16A2B4C2}" dt="2025-02-18T17:59:11.400" v="10" actId="26606"/>
-          <ac:spMkLst>
+        <pc:graphicFrameChg chg="add del mod">
+          <ac:chgData name="Yang Wang" userId="93f64eff-2e82-4bc9-9cd4-65a7b2a43f14" providerId="ADAL" clId="{45B4E7E3-82FD-4E6D-BC04-F9D00CE5245B}" dt="2026-01-06T22:49:40.613" v="1" actId="478"/>
+          <ac:graphicFrameMkLst>
             <pc:docMk/>
-            <pc:sldMk cId="2765376041" sldId="260"/>
-            <ac:spMk id="3" creationId="{E2D72828-BF37-6A18-B2CE-58893C5416BE}"/>
-          </ac:spMkLst>
-        </pc:spChg>
-        <pc:spChg chg="mod">
-          <ac:chgData name="Yang Wang" userId="93f64eff-2e82-4bc9-9cd4-65a7b2a43f14" providerId="ADAL" clId="{49F755E0-E68C-4636-8AD8-B74A16A2B4C2}" dt="2025-02-18T17:59:11.400" v="10" actId="26606"/>
-          <ac:spMkLst>
-            <pc:docMk/>
-            <pc:sldMk cId="2765376041" sldId="260"/>
-            <ac:spMk id="4" creationId="{7AB40EC7-5143-D6FD-4ABF-68A56155F23C}"/>
-          </ac:spMkLst>
-        </pc:spChg>
-        <pc:spChg chg="add">
-          <ac:chgData name="Yang Wang" userId="93f64eff-2e82-4bc9-9cd4-65a7b2a43f14" providerId="ADAL" clId="{49F755E0-E68C-4636-8AD8-B74A16A2B4C2}" dt="2025-02-18T17:59:11.400" v="10" actId="26606"/>
-          <ac:spMkLst>
-            <pc:docMk/>
-            <pc:sldMk cId="2765376041" sldId="260"/>
-            <ac:spMk id="2064" creationId="{44CC594A-A820-450F-B363-C19201FCFEC6}"/>
-          </ac:spMkLst>
-        </pc:spChg>
-        <pc:spChg chg="add">
-          <ac:chgData name="Yang Wang" userId="93f64eff-2e82-4bc9-9cd4-65a7b2a43f14" providerId="ADAL" clId="{49F755E0-E68C-4636-8AD8-B74A16A2B4C2}" dt="2025-02-18T17:59:11.400" v="10" actId="26606"/>
-          <ac:spMkLst>
-            <pc:docMk/>
-            <pc:sldMk cId="2765376041" sldId="260"/>
-            <ac:spMk id="2066" creationId="{59FAB3DA-E9ED-4574-ABCC-378BC0FF1BBC}"/>
-          </ac:spMkLst>
-        </pc:spChg>
-        <pc:spChg chg="add">
-          <ac:chgData name="Yang Wang" userId="93f64eff-2e82-4bc9-9cd4-65a7b2a43f14" providerId="ADAL" clId="{49F755E0-E68C-4636-8AD8-B74A16A2B4C2}" dt="2025-02-18T17:59:11.400" v="10" actId="26606"/>
-          <ac:spMkLst>
-            <pc:docMk/>
-            <pc:sldMk cId="2765376041" sldId="260"/>
-            <ac:spMk id="2068" creationId="{53B8D6B0-55D6-48DC-86D8-FD95D5F118AB}"/>
-          </ac:spMkLst>
-        </pc:spChg>
-      </pc:sldChg>
-      <pc:sldChg chg="modNotes">
-        <pc:chgData name="Yang Wang" userId="93f64eff-2e82-4bc9-9cd4-65a7b2a43f14" providerId="ADAL" clId="{49F755E0-E68C-4636-8AD8-B74A16A2B4C2}" dt="2025-02-18T17:58:44.828" v="7" actId="368"/>
-        <pc:sldMkLst>
-          <pc:docMk/>
-          <pc:sldMk cId="3990949987" sldId="261"/>
-        </pc:sldMkLst>
-      </pc:sldChg>
-      <pc:sldChg chg="addSp delSp modSp mod">
-        <pc:chgData name="Yang Wang" userId="93f64eff-2e82-4bc9-9cd4-65a7b2a43f14" providerId="ADAL" clId="{49F755E0-E68C-4636-8AD8-B74A16A2B4C2}" dt="2025-02-18T17:59:48.992" v="13" actId="207"/>
-        <pc:sldMkLst>
-          <pc:docMk/>
-          <pc:sldMk cId="486122745" sldId="262"/>
-        </pc:sldMkLst>
-        <pc:spChg chg="mod">
-          <ac:chgData name="Yang Wang" userId="93f64eff-2e82-4bc9-9cd4-65a7b2a43f14" providerId="ADAL" clId="{49F755E0-E68C-4636-8AD8-B74A16A2B4C2}" dt="2025-02-18T17:59:38.050" v="12" actId="26606"/>
-          <ac:spMkLst>
-            <pc:docMk/>
-            <pc:sldMk cId="486122745" sldId="262"/>
-            <ac:spMk id="2" creationId="{1CC3FA7A-70B1-C019-D603-19DC4C519A61}"/>
-          </ac:spMkLst>
-        </pc:spChg>
-        <pc:spChg chg="mod ord">
-          <ac:chgData name="Yang Wang" userId="93f64eff-2e82-4bc9-9cd4-65a7b2a43f14" providerId="ADAL" clId="{49F755E0-E68C-4636-8AD8-B74A16A2B4C2}" dt="2025-02-18T17:59:38.050" v="12" actId="26606"/>
-          <ac:spMkLst>
-            <pc:docMk/>
-            <pc:sldMk cId="486122745" sldId="262"/>
-            <ac:spMk id="4" creationId="{1069892D-ECAD-881B-2FAE-943B7D7AFF94}"/>
-          </ac:spMkLst>
-        </pc:spChg>
-        <pc:spChg chg="mod">
-          <ac:chgData name="Yang Wang" userId="93f64eff-2e82-4bc9-9cd4-65a7b2a43f14" providerId="ADAL" clId="{49F755E0-E68C-4636-8AD8-B74A16A2B4C2}" dt="2025-02-18T17:59:48.992" v="13" actId="207"/>
-          <ac:spMkLst>
-            <pc:docMk/>
-            <pc:sldMk cId="486122745" sldId="262"/>
-            <ac:spMk id="4102" creationId="{4B80F2D0-6C47-A911-B7F5-0318DFD2AAFA}"/>
-          </ac:spMkLst>
-        </pc:spChg>
-        <pc:spChg chg="add del">
-          <ac:chgData name="Yang Wang" userId="93f64eff-2e82-4bc9-9cd4-65a7b2a43f14" providerId="ADAL" clId="{49F755E0-E68C-4636-8AD8-B74A16A2B4C2}" dt="2025-02-18T17:59:38.050" v="12" actId="26606"/>
-          <ac:spMkLst>
-            <pc:docMk/>
-            <pc:sldMk cId="486122745" sldId="262"/>
-            <ac:spMk id="4105" creationId="{44CC594A-A820-450F-B363-C19201FCFEC6}"/>
-          </ac:spMkLst>
-        </pc:spChg>
-        <pc:spChg chg="add del">
-          <ac:chgData name="Yang Wang" userId="93f64eff-2e82-4bc9-9cd4-65a7b2a43f14" providerId="ADAL" clId="{49F755E0-E68C-4636-8AD8-B74A16A2B4C2}" dt="2025-02-18T17:59:38.050" v="12" actId="26606"/>
-          <ac:spMkLst>
-            <pc:docMk/>
-            <pc:sldMk cId="486122745" sldId="262"/>
-            <ac:spMk id="4107" creationId="{59FAB3DA-E9ED-4574-ABCC-378BC0FF1BBC}"/>
-          </ac:spMkLst>
-        </pc:spChg>
-        <pc:spChg chg="add del">
-          <ac:chgData name="Yang Wang" userId="93f64eff-2e82-4bc9-9cd4-65a7b2a43f14" providerId="ADAL" clId="{49F755E0-E68C-4636-8AD8-B74A16A2B4C2}" dt="2025-02-18T17:59:38.050" v="12" actId="26606"/>
-          <ac:spMkLst>
-            <pc:docMk/>
-            <pc:sldMk cId="486122745" sldId="262"/>
-            <ac:spMk id="4109" creationId="{53B8D6B0-55D6-48DC-86D8-FD95D5F118AB}"/>
-          </ac:spMkLst>
-        </pc:spChg>
-      </pc:sldChg>
-      <pc:sldChg chg="modNotes">
-        <pc:chgData name="Yang Wang" userId="93f64eff-2e82-4bc9-9cd4-65a7b2a43f14" providerId="ADAL" clId="{49F755E0-E68C-4636-8AD8-B74A16A2B4C2}" dt="2025-02-18T17:58:44.836" v="9" actId="368"/>
-        <pc:sldMkLst>
-          <pc:docMk/>
-          <pc:sldMk cId="3207384558" sldId="263"/>
-        </pc:sldMkLst>
-      </pc:sldChg>
-      <pc:sldChg chg="new del">
-        <pc:chgData name="Yang Wang" userId="93f64eff-2e82-4bc9-9cd4-65a7b2a43f14" providerId="ADAL" clId="{49F755E0-E68C-4636-8AD8-B74A16A2B4C2}" dt="2025-02-26T22:12:20.958" v="16" actId="47"/>
-        <pc:sldMkLst>
-          <pc:docMk/>
-          <pc:sldMk cId="1390953589" sldId="267"/>
-        </pc:sldMkLst>
-      </pc:sldChg>
-      <pc:sldChg chg="addSp delSp modSp add mod">
-        <pc:chgData name="Yang Wang" userId="93f64eff-2e82-4bc9-9cd4-65a7b2a43f14" providerId="ADAL" clId="{49F755E0-E68C-4636-8AD8-B74A16A2B4C2}" dt="2025-02-27T11:12:21.689" v="80" actId="1076"/>
-        <pc:sldMkLst>
-          <pc:docMk/>
-          <pc:sldMk cId="2058911528" sldId="268"/>
-        </pc:sldMkLst>
-        <pc:spChg chg="add mod">
-          <ac:chgData name="Yang Wang" userId="93f64eff-2e82-4bc9-9cd4-65a7b2a43f14" providerId="ADAL" clId="{49F755E0-E68C-4636-8AD8-B74A16A2B4C2}" dt="2025-02-27T11:05:55.124" v="24" actId="17032"/>
-          <ac:spMkLst>
-            <pc:docMk/>
-            <pc:sldMk cId="2058911528" sldId="268"/>
-            <ac:spMk id="4" creationId="{E3713C71-9D1C-8183-8F60-FA89FFB740ED}"/>
-          </ac:spMkLst>
-        </pc:spChg>
-        <pc:spChg chg="add mod">
-          <ac:chgData name="Yang Wang" userId="93f64eff-2e82-4bc9-9cd4-65a7b2a43f14" providerId="ADAL" clId="{49F755E0-E68C-4636-8AD8-B74A16A2B4C2}" dt="2025-02-27T11:06:22.550" v="26" actId="17032"/>
-          <ac:spMkLst>
-            <pc:docMk/>
-            <pc:sldMk cId="2058911528" sldId="268"/>
-            <ac:spMk id="6" creationId="{6B0839C7-5A11-DCA5-22DE-50626C08364D}"/>
-          </ac:spMkLst>
-        </pc:spChg>
-        <pc:spChg chg="add mod">
-          <ac:chgData name="Yang Wang" userId="93f64eff-2e82-4bc9-9cd4-65a7b2a43f14" providerId="ADAL" clId="{49F755E0-E68C-4636-8AD8-B74A16A2B4C2}" dt="2025-02-27T11:11:15.888" v="78" actId="14100"/>
-          <ac:spMkLst>
-            <pc:docMk/>
-            <pc:sldMk cId="2058911528" sldId="268"/>
-            <ac:spMk id="7" creationId="{34093FF7-AEED-C518-BF3B-6F050F9C2096}"/>
-          </ac:spMkLst>
-        </pc:spChg>
-        <pc:spChg chg="add mod">
-          <ac:chgData name="Yang Wang" userId="93f64eff-2e82-4bc9-9cd4-65a7b2a43f14" providerId="ADAL" clId="{49F755E0-E68C-4636-8AD8-B74A16A2B4C2}" dt="2025-02-27T11:08:10.955" v="44" actId="17032"/>
-          <ac:spMkLst>
-            <pc:docMk/>
-            <pc:sldMk cId="2058911528" sldId="268"/>
-            <ac:spMk id="13" creationId="{82D20208-6C01-AF37-EBEE-EA66A467F22F}"/>
-          </ac:spMkLst>
-        </pc:spChg>
-        <pc:spChg chg="add mod">
-          <ac:chgData name="Yang Wang" userId="93f64eff-2e82-4bc9-9cd4-65a7b2a43f14" providerId="ADAL" clId="{49F755E0-E68C-4636-8AD8-B74A16A2B4C2}" dt="2025-02-27T11:09:25.525" v="61" actId="17032"/>
-          <ac:spMkLst>
-            <pc:docMk/>
-            <pc:sldMk cId="2058911528" sldId="268"/>
-            <ac:spMk id="15" creationId="{741F307A-BDBE-D0F8-3F8C-245C3BD3CA94}"/>
-          </ac:spMkLst>
-        </pc:spChg>
-        <pc:spChg chg="add mod">
-          <ac:chgData name="Yang Wang" userId="93f64eff-2e82-4bc9-9cd4-65a7b2a43f14" providerId="ADAL" clId="{49F755E0-E68C-4636-8AD8-B74A16A2B4C2}" dt="2025-02-27T11:09:25.525" v="61" actId="17032"/>
-          <ac:spMkLst>
-            <pc:docMk/>
-            <pc:sldMk cId="2058911528" sldId="268"/>
-            <ac:spMk id="16" creationId="{2223B3D6-1227-7E3F-4D0C-12F041D3FF23}"/>
-          </ac:spMkLst>
-        </pc:spChg>
-        <pc:spChg chg="add mod">
-          <ac:chgData name="Yang Wang" userId="93f64eff-2e82-4bc9-9cd4-65a7b2a43f14" providerId="ADAL" clId="{49F755E0-E68C-4636-8AD8-B74A16A2B4C2}" dt="2025-02-27T11:09:25.525" v="61" actId="17032"/>
-          <ac:spMkLst>
-            <pc:docMk/>
-            <pc:sldMk cId="2058911528" sldId="268"/>
-            <ac:spMk id="17" creationId="{DFBC0B21-2CC8-A259-C2E3-E2AD68DF05C3}"/>
-          </ac:spMkLst>
-        </pc:spChg>
-        <pc:spChg chg="add mod">
-          <ac:chgData name="Yang Wang" userId="93f64eff-2e82-4bc9-9cd4-65a7b2a43f14" providerId="ADAL" clId="{49F755E0-E68C-4636-8AD8-B74A16A2B4C2}" dt="2025-02-27T11:09:41.534" v="64" actId="14100"/>
-          <ac:spMkLst>
-            <pc:docMk/>
-            <pc:sldMk cId="2058911528" sldId="268"/>
-            <ac:spMk id="18" creationId="{3034AAB2-E435-F0BB-AC9D-395C9390860B}"/>
-          </ac:spMkLst>
-        </pc:spChg>
-        <pc:cxnChg chg="add mod">
-          <ac:chgData name="Yang Wang" userId="93f64eff-2e82-4bc9-9cd4-65a7b2a43f14" providerId="ADAL" clId="{49F755E0-E68C-4636-8AD8-B74A16A2B4C2}" dt="2025-02-27T11:11:19.723" v="79" actId="13822"/>
-          <ac:cxnSpMkLst>
-            <pc:docMk/>
-            <pc:sldMk cId="2058911528" sldId="268"/>
-            <ac:cxnSpMk id="9" creationId="{DE384427-FC39-BCDD-A10A-3209FC956187}"/>
-          </ac:cxnSpMkLst>
-        </pc:cxnChg>
-        <pc:cxnChg chg="add del mod">
-          <ac:chgData name="Yang Wang" userId="93f64eff-2e82-4bc9-9cd4-65a7b2a43f14" providerId="ADAL" clId="{49F755E0-E68C-4636-8AD8-B74A16A2B4C2}" dt="2025-02-27T11:10:23.233" v="69" actId="478"/>
-          <ac:cxnSpMkLst>
-            <pc:docMk/>
-            <pc:sldMk cId="2058911528" sldId="268"/>
-            <ac:cxnSpMk id="10" creationId="{C6A1057C-3F63-68FB-2E6F-3FA080694EC3}"/>
-          </ac:cxnSpMkLst>
-        </pc:cxnChg>
-        <pc:cxnChg chg="add mod">
-          <ac:chgData name="Yang Wang" userId="93f64eff-2e82-4bc9-9cd4-65a7b2a43f14" providerId="ADAL" clId="{49F755E0-E68C-4636-8AD8-B74A16A2B4C2}" dt="2025-02-27T11:12:21.689" v="80" actId="1076"/>
-          <ac:cxnSpMkLst>
-            <pc:docMk/>
-            <pc:sldMk cId="2058911528" sldId="268"/>
-            <ac:cxnSpMk id="20" creationId="{BBF6B2DD-C166-3EBA-DA63-FF23D7ABBECC}"/>
-          </ac:cxnSpMkLst>
-        </pc:cxnChg>
-        <pc:cxnChg chg="add del mod">
-          <ac:chgData name="Yang Wang" userId="93f64eff-2e82-4bc9-9cd4-65a7b2a43f14" providerId="ADAL" clId="{49F755E0-E68C-4636-8AD8-B74A16A2B4C2}" dt="2025-02-27T11:10:52.522" v="74" actId="478"/>
-          <ac:cxnSpMkLst>
-            <pc:docMk/>
-            <pc:sldMk cId="2058911528" sldId="268"/>
-            <ac:cxnSpMk id="24" creationId="{0212232E-2861-D394-6E38-32AFCF42900B}"/>
-          </ac:cxnSpMkLst>
-        </pc:cxnChg>
+            <pc:sldMk cId="1081006076" sldId="256"/>
+            <ac:graphicFrameMk id="4" creationId="{36591612-3A97-BB73-A2B5-8A53602F1BFE}"/>
+          </ac:graphicFrameMkLst>
+        </pc:graphicFrameChg>
       </pc:sldChg>
     </pc:docChg>
   </pc:docChgLst>
@@ -16369,7 +16144,7 @@
           <a:p>
             <a:fld id="{7DFAA29A-180C-443F-A321-EE02BDB01BE0}" type="datetimeFigureOut">
               <a:rPr lang="en-GB" smtClean="0"/>
-              <a:t>27/02/2025</a:t>
+              <a:t>06/01/2026</a:t>
             </a:fld>
             <a:endParaRPr lang="en-GB"/>
           </a:p>
@@ -17127,6 +16902,13 @@
             <a:schemeClr val="lt1"/>
           </a:fontRef>
         </p:style>
+        <p:txBody>
+          <a:bodyPr/>
+          <a:lstStyle/>
+          <a:p>
+            <a:endParaRPr lang="en-GB"/>
+          </a:p>
+        </p:txBody>
       </p:sp>
       <p:sp>
         <p:nvSpPr>
@@ -17165,6 +16947,13 @@
             <a:schemeClr val="lt1"/>
           </a:fontRef>
         </p:style>
+        <p:txBody>
+          <a:bodyPr/>
+          <a:lstStyle/>
+          <a:p>
+            <a:endParaRPr lang="en-GB"/>
+          </a:p>
+        </p:txBody>
       </p:sp>
       <p:sp>
         <p:nvSpPr>
@@ -17299,7 +17088,7 @@
           <a:p>
             <a:fld id="{63935734-7C6A-417B-B956-9C7AB5CF8E51}" type="datetimeFigureOut">
               <a:rPr lang="en-GB" smtClean="0"/>
-              <a:t>27/02/2025</a:t>
+              <a:t>06/01/2026</a:t>
             </a:fld>
             <a:endParaRPr lang="en-GB"/>
           </a:p>
@@ -17507,7 +17296,7 @@
           <a:p>
             <a:fld id="{63935734-7C6A-417B-B956-9C7AB5CF8E51}" type="datetimeFigureOut">
               <a:rPr lang="en-GB" smtClean="0"/>
-              <a:t>27/02/2025</a:t>
+              <a:t>06/01/2026</a:t>
             </a:fld>
             <a:endParaRPr lang="en-GB"/>
           </a:p>
@@ -17763,7 +17552,7 @@
           <a:p>
             <a:fld id="{63935734-7C6A-417B-B956-9C7AB5CF8E51}" type="datetimeFigureOut">
               <a:rPr lang="en-GB" smtClean="0"/>
-              <a:t>27/02/2025</a:t>
+              <a:t>06/01/2026</a:t>
             </a:fld>
             <a:endParaRPr lang="en-GB"/>
           </a:p>
@@ -17937,7 +17726,7 @@
           <a:p>
             <a:fld id="{63935734-7C6A-417B-B956-9C7AB5CF8E51}" type="datetimeFigureOut">
               <a:rPr lang="en-GB" smtClean="0"/>
-              <a:t>27/02/2025</a:t>
+              <a:t>06/01/2026</a:t>
             </a:fld>
             <a:endParaRPr lang="en-GB"/>
           </a:p>
@@ -18280,7 +18069,7 @@
           <a:p>
             <a:fld id="{63935734-7C6A-417B-B956-9C7AB5CF8E51}" type="datetimeFigureOut">
               <a:rPr lang="en-GB" smtClean="0"/>
-              <a:t>27/02/2025</a:t>
+              <a:t>06/01/2026</a:t>
             </a:fld>
             <a:endParaRPr lang="en-GB"/>
           </a:p>
@@ -18555,7 +18344,7 @@
           <a:p>
             <a:fld id="{63935734-7C6A-417B-B956-9C7AB5CF8E51}" type="datetimeFigureOut">
               <a:rPr lang="en-GB" smtClean="0"/>
-              <a:t>27/02/2025</a:t>
+              <a:t>06/01/2026</a:t>
             </a:fld>
             <a:endParaRPr lang="en-GB"/>
           </a:p>
@@ -18934,7 +18723,7 @@
           <a:p>
             <a:fld id="{63935734-7C6A-417B-B956-9C7AB5CF8E51}" type="datetimeFigureOut">
               <a:rPr lang="en-GB" smtClean="0"/>
-              <a:t>27/02/2025</a:t>
+              <a:t>06/01/2026</a:t>
             </a:fld>
             <a:endParaRPr lang="en-GB"/>
           </a:p>
@@ -19052,7 +18841,7 @@
           <a:p>
             <a:fld id="{63935734-7C6A-417B-B956-9C7AB5CF8E51}" type="datetimeFigureOut">
               <a:rPr lang="en-GB" smtClean="0"/>
-              <a:t>27/02/2025</a:t>
+              <a:t>06/01/2026</a:t>
             </a:fld>
             <a:endParaRPr lang="en-GB"/>
           </a:p>
@@ -19223,7 +19012,7 @@
           <a:p>
             <a:fld id="{63935734-7C6A-417B-B956-9C7AB5CF8E51}" type="datetimeFigureOut">
               <a:rPr lang="en-GB" smtClean="0"/>
-              <a:t>27/02/2025</a:t>
+              <a:t>06/01/2026</a:t>
             </a:fld>
             <a:endParaRPr lang="en-GB"/>
           </a:p>
@@ -19577,7 +19366,7 @@
           <a:p>
             <a:fld id="{63935734-7C6A-417B-B956-9C7AB5CF8E51}" type="datetimeFigureOut">
               <a:rPr lang="en-GB" smtClean="0"/>
-              <a:t>27/02/2025</a:t>
+              <a:t>06/01/2026</a:t>
             </a:fld>
             <a:endParaRPr lang="en-GB"/>
           </a:p>
@@ -19959,7 +19748,7 @@
           <a:p>
             <a:fld id="{63935734-7C6A-417B-B956-9C7AB5CF8E51}" type="datetimeFigureOut">
               <a:rPr lang="en-GB" smtClean="0"/>
-              <a:t>27/02/2025</a:t>
+              <a:t>06/01/2026</a:t>
             </a:fld>
             <a:endParaRPr lang="en-GB"/>
           </a:p>
@@ -20079,6 +19868,13 @@
             <a:schemeClr val="lt1"/>
           </a:fontRef>
         </p:style>
+        <p:txBody>
+          <a:bodyPr/>
+          <a:lstStyle/>
+          <a:p>
+            <a:endParaRPr lang="en-GB"/>
+          </a:p>
+        </p:txBody>
       </p:sp>
       <p:sp>
         <p:nvSpPr>
@@ -20117,6 +19913,13 @@
             <a:schemeClr val="lt1"/>
           </a:fontRef>
         </p:style>
+        <p:txBody>
+          <a:bodyPr/>
+          <a:lstStyle/>
+          <a:p>
+            <a:endParaRPr lang="en-GB"/>
+          </a:p>
+        </p:txBody>
       </p:sp>
       <p:sp>
         <p:nvSpPr>
@@ -20246,7 +20049,7 @@
           <a:p>
             <a:fld id="{63935734-7C6A-417B-B956-9C7AB5CF8E51}" type="datetimeFigureOut">
               <a:rPr lang="en-GB" smtClean="0"/>
-              <a:t>27/02/2025</a:t>
+              <a:t>06/01/2026</a:t>
             </a:fld>
             <a:endParaRPr lang="en-GB"/>
           </a:p>
